--- a/talk.pptx
+++ b/talk.pptx
@@ -307,7 +307,7 @@
           <a:p>
             <a:fld id="{80680FBE-A8DF-4758-9AC4-3A9E1039168F}" type="datetimeFigureOut">
               <a:rPr lang="en-US" smtClean="0"/>
-              <a:t>1/29/2021</a:t>
+              <a:t>6/2/2021</a:t>
             </a:fld>
             <a:endParaRPr lang="en-US" dirty="0"/>
           </a:p>
@@ -472,7 +472,7 @@
           <a:p>
             <a:fld id="{EC13577B-6902-467D-A26C-08A0DD5E4E03}" type="datetimeFigureOut">
               <a:rPr lang="en-US" smtClean="0"/>
-              <a:t>1/29/2021</a:t>
+              <a:t>6/2/2021</a:t>
             </a:fld>
             <a:endParaRPr lang="en-US" dirty="0"/>
           </a:p>
@@ -1178,7 +1178,7 @@
             <a:fld id="{8BEEBAAA-29B5-4AF5-BC5F-7E580C29002D}" type="datetimeFigureOut">
               <a:rPr lang="en-US" smtClean="0"/>
               <a:pPr/>
-              <a:t>1/29/2021</a:t>
+              <a:t>6/2/2021</a:t>
             </a:fld>
             <a:endParaRPr lang="en-US" dirty="0"/>
           </a:p>
@@ -1753,7 +1753,7 @@
           <a:p>
             <a:fld id="{4D723AB6-704A-42C8-AB51-31B091223600}" type="datetimeFigureOut">
               <a:rPr lang="en-GB" smtClean="0"/>
-              <a:t>29/01/2021</a:t>
+              <a:t>02/06/2021</a:t>
             </a:fld>
             <a:endParaRPr lang="en-GB"/>
           </a:p>
@@ -1953,7 +1953,7 @@
           <a:p>
             <a:fld id="{4D723AB6-704A-42C8-AB51-31B091223600}" type="datetimeFigureOut">
               <a:rPr lang="en-GB" smtClean="0"/>
-              <a:t>29/01/2021</a:t>
+              <a:t>02/06/2021</a:t>
             </a:fld>
             <a:endParaRPr lang="en-GB"/>
           </a:p>
@@ -2226,7 +2226,7 @@
             <a:fld id="{8BEEBAAA-29B5-4AF5-BC5F-7E580C29002D}" type="datetimeFigureOut">
               <a:rPr lang="en-US" smtClean="0"/>
               <a:pPr/>
-              <a:t>1/29/2021</a:t>
+              <a:t>6/2/2021</a:t>
             </a:fld>
             <a:endParaRPr lang="en-US" dirty="0"/>
           </a:p>
@@ -17806,8 +17806,29 @@
                 <a:latin typeface="Segoe UI Light" panose="020B0502040204020203" pitchFamily="34" charset="0"/>
                 <a:cs typeface="Segoe UI Light" panose="020B0502040204020203" pitchFamily="34" charset="0"/>
               </a:rPr>
-              <a:t>Google 20,000+.</a:t>
+              <a:t>Google 20,000</a:t>
             </a:r>
+            <a:r>
+              <a:rPr lang="en-GB" sz="3800">
+                <a:solidFill>
+                  <a:schemeClr val="bg2">
+                    <a:lumMod val="25000"/>
+                  </a:schemeClr>
+                </a:solidFill>
+                <a:latin typeface="Segoe UI Light" panose="020B0502040204020203" pitchFamily="34" charset="0"/>
+                <a:cs typeface="Segoe UI Light" panose="020B0502040204020203" pitchFamily="34" charset="0"/>
+              </a:rPr>
+              <a:t>+, GitHub</a:t>
+            </a:r>
+            <a:endParaRPr lang="en-GB" sz="3800" dirty="0">
+              <a:solidFill>
+                <a:schemeClr val="bg2">
+                  <a:lumMod val="25000"/>
+                </a:schemeClr>
+              </a:solidFill>
+              <a:latin typeface="Segoe UI Light" panose="020B0502040204020203" pitchFamily="34" charset="0"/>
+              <a:cs typeface="Segoe UI Light" panose="020B0502040204020203" pitchFamily="34" charset="0"/>
+            </a:endParaRPr>
           </a:p>
           <a:p>
             <a:pPr lvl="1">
@@ -27047,21 +27068,21 @@
 </file>
 
 <file path=customXml/item2.xml><?xml version="1.0" encoding="utf-8"?>
+<?mso-contentType ?>
+<FormTemplates xmlns="http://schemas.microsoft.com/sharepoint/v3/contenttype/forms">
+  <Display>DocumentLibraryForm</Display>
+  <Edit>DocumentLibraryForm</Edit>
+  <New>DocumentLibraryForm</New>
+</FormTemplates>
+</file>
+
+<file path=customXml/item3.xml><?xml version="1.0" encoding="utf-8"?>
 <p:properties xmlns:p="http://schemas.microsoft.com/office/2006/metadata/properties" xmlns:xsi="http://www.w3.org/2001/XMLSchema-instance" xmlns:pc="http://schemas.microsoft.com/office/infopath/2007/PartnerControls">
   <documentManagement>
     <Status xmlns="71af3243-3dd4-4a8d-8c0d-dd76da1f02a5">Not started</Status>
     <MediaServiceKeyPoints xmlns="71af3243-3dd4-4a8d-8c0d-dd76da1f02a5" xsi:nil="true"/>
   </documentManagement>
 </p:properties>
-</file>
-
-<file path=customXml/item3.xml><?xml version="1.0" encoding="utf-8"?>
-<?mso-contentType ?>
-<FormTemplates xmlns="http://schemas.microsoft.com/sharepoint/v3/contenttype/forms">
-  <Display>DocumentLibraryForm</Display>
-  <Edit>DocumentLibraryForm</Edit>
-  <New>DocumentLibraryForm</New>
-</FormTemplates>
 </file>
 
 <file path=customXml/itemProps1.xml><?xml version="1.0" encoding="utf-8"?>
@@ -27084,6 +27105,14 @@
 </file>
 
 <file path=customXml/itemProps2.xml><?xml version="1.0" encoding="utf-8"?>
+<ds:datastoreItem xmlns:ds="http://schemas.openxmlformats.org/officeDocument/2006/customXml" ds:itemID="{7EE8C63A-4744-4DE4-BB49-0FF0B5375C60}">
+  <ds:schemaRefs>
+    <ds:schemaRef ds:uri="http://schemas.microsoft.com/sharepoint/v3/contenttype/forms"/>
+  </ds:schemaRefs>
+</ds:datastoreItem>
+</file>
+
+<file path=customXml/itemProps3.xml><?xml version="1.0" encoding="utf-8"?>
 <ds:datastoreItem xmlns:ds="http://schemas.openxmlformats.org/officeDocument/2006/customXml" ds:itemID="{950072C5-DDE0-4258-BA7A-4D4B80DFA632}">
   <ds:schemaRefs>
     <ds:schemaRef ds:uri="http://purl.org/dc/terms/"/>
@@ -27098,12 +27127,4 @@
     <ds:schemaRef ds:uri="http://purl.org/dc/dcmitype/"/>
   </ds:schemaRefs>
 </ds:datastoreItem>
-</file>
-
-<file path=customXml/itemProps3.xml><?xml version="1.0" encoding="utf-8"?>
-<ds:datastoreItem xmlns:ds="http://schemas.openxmlformats.org/officeDocument/2006/customXml" ds:itemID="{7EE8C63A-4744-4DE4-BB49-0FF0B5375C60}">
-  <ds:schemaRefs>
-    <ds:schemaRef ds:uri="http://schemas.microsoft.com/sharepoint/v3/contenttype/forms"/>
-  </ds:schemaRefs>
-</ds:datastoreItem>
 </file>